--- a/task/instructions/instructions.pptx
+++ b/task/instructions/instructions.pptx
@@ -275,7 +275,7 @@
           <a:p>
             <a:fld id="{3FCA0347-634C-9643-8047-4E30C1D40C05}" type="datetimeFigureOut">
               <a:rPr lang="en-US" smtClean="0"/>
-              <a:t>6/6/22</a:t>
+              <a:t>6/7/22</a:t>
             </a:fld>
             <a:endParaRPr lang="en-US"/>
           </a:p>
@@ -445,7 +445,7 @@
           <a:p>
             <a:fld id="{3FCA0347-634C-9643-8047-4E30C1D40C05}" type="datetimeFigureOut">
               <a:rPr lang="en-US" smtClean="0"/>
-              <a:t>6/6/22</a:t>
+              <a:t>6/7/22</a:t>
             </a:fld>
             <a:endParaRPr lang="en-US"/>
           </a:p>
@@ -625,7 +625,7 @@
           <a:p>
             <a:fld id="{3FCA0347-634C-9643-8047-4E30C1D40C05}" type="datetimeFigureOut">
               <a:rPr lang="en-US" smtClean="0"/>
-              <a:t>6/6/22</a:t>
+              <a:t>6/7/22</a:t>
             </a:fld>
             <a:endParaRPr lang="en-US"/>
           </a:p>
@@ -795,7 +795,7 @@
           <a:p>
             <a:fld id="{3FCA0347-634C-9643-8047-4E30C1D40C05}" type="datetimeFigureOut">
               <a:rPr lang="en-US" smtClean="0"/>
-              <a:t>6/6/22</a:t>
+              <a:t>6/7/22</a:t>
             </a:fld>
             <a:endParaRPr lang="en-US"/>
           </a:p>
@@ -1041,7 +1041,7 @@
           <a:p>
             <a:fld id="{3FCA0347-634C-9643-8047-4E30C1D40C05}" type="datetimeFigureOut">
               <a:rPr lang="en-US" smtClean="0"/>
-              <a:t>6/6/22</a:t>
+              <a:t>6/7/22</a:t>
             </a:fld>
             <a:endParaRPr lang="en-US"/>
           </a:p>
@@ -1273,7 +1273,7 @@
           <a:p>
             <a:fld id="{3FCA0347-634C-9643-8047-4E30C1D40C05}" type="datetimeFigureOut">
               <a:rPr lang="en-US" smtClean="0"/>
-              <a:t>6/6/22</a:t>
+              <a:t>6/7/22</a:t>
             </a:fld>
             <a:endParaRPr lang="en-US"/>
           </a:p>
@@ -1640,7 +1640,7 @@
           <a:p>
             <a:fld id="{3FCA0347-634C-9643-8047-4E30C1D40C05}" type="datetimeFigureOut">
               <a:rPr lang="en-US" smtClean="0"/>
-              <a:t>6/6/22</a:t>
+              <a:t>6/7/22</a:t>
             </a:fld>
             <a:endParaRPr lang="en-US"/>
           </a:p>
@@ -1758,7 +1758,7 @@
           <a:p>
             <a:fld id="{3FCA0347-634C-9643-8047-4E30C1D40C05}" type="datetimeFigureOut">
               <a:rPr lang="en-US" smtClean="0"/>
-              <a:t>6/6/22</a:t>
+              <a:t>6/7/22</a:t>
             </a:fld>
             <a:endParaRPr lang="en-US"/>
           </a:p>
@@ -1853,7 +1853,7 @@
           <a:p>
             <a:fld id="{3FCA0347-634C-9643-8047-4E30C1D40C05}" type="datetimeFigureOut">
               <a:rPr lang="en-US" smtClean="0"/>
-              <a:t>6/6/22</a:t>
+              <a:t>6/7/22</a:t>
             </a:fld>
             <a:endParaRPr lang="en-US"/>
           </a:p>
@@ -2130,7 +2130,7 @@
           <a:p>
             <a:fld id="{3FCA0347-634C-9643-8047-4E30C1D40C05}" type="datetimeFigureOut">
               <a:rPr lang="en-US" smtClean="0"/>
-              <a:t>6/6/22</a:t>
+              <a:t>6/7/22</a:t>
             </a:fld>
             <a:endParaRPr lang="en-US"/>
           </a:p>
@@ -2387,7 +2387,7 @@
           <a:p>
             <a:fld id="{3FCA0347-634C-9643-8047-4E30C1D40C05}" type="datetimeFigureOut">
               <a:rPr lang="en-US" smtClean="0"/>
-              <a:t>6/6/22</a:t>
+              <a:t>6/7/22</a:t>
             </a:fld>
             <a:endParaRPr lang="en-US"/>
           </a:p>
@@ -2600,7 +2600,7 @@
           <a:p>
             <a:fld id="{3FCA0347-634C-9643-8047-4E30C1D40C05}" type="datetimeFigureOut">
               <a:rPr lang="en-US" smtClean="0"/>
-              <a:t>6/6/22</a:t>
+              <a:t>6/7/22</a:t>
             </a:fld>
             <a:endParaRPr lang="en-US"/>
           </a:p>
@@ -4936,7 +4936,7 @@
         <p:spPr>
           <a:xfrm>
             <a:off x="4528458" y="1926846"/>
-            <a:ext cx="3047629" cy="523220"/>
+            <a:ext cx="2815194" cy="523220"/>
           </a:xfrm>
           <a:prstGeom prst="rect">
             <a:avLst/>
@@ -4951,7 +4951,7 @@
           <a:p>
             <a:r>
               <a:rPr lang="en-US" sz="2800" b="1" dirty="0"/>
-              <a:t>SHOCK LEVEL : 90%</a:t>
+              <a:t>SHOCK LEVEL : 1V</a:t>
             </a:r>
           </a:p>
         </p:txBody>
@@ -5269,7 +5269,7 @@
         <p:spPr>
           <a:xfrm>
             <a:off x="4528458" y="1926846"/>
-            <a:ext cx="3047629" cy="523220"/>
+            <a:ext cx="2815194" cy="523220"/>
           </a:xfrm>
           <a:prstGeom prst="rect">
             <a:avLst/>
@@ -5284,7 +5284,7 @@
           <a:p>
             <a:r>
               <a:rPr lang="en-US" sz="2800" b="1" dirty="0"/>
-              <a:t>SHOCK LEVEL : 90%</a:t>
+              <a:t>SHOCK LEVEL : 1V</a:t>
             </a:r>
           </a:p>
         </p:txBody>
@@ -5638,7 +5638,7 @@
         <p:spPr>
           <a:xfrm>
             <a:off x="4528458" y="1926846"/>
-            <a:ext cx="3047629" cy="523220"/>
+            <a:ext cx="2815194" cy="523220"/>
           </a:xfrm>
           <a:prstGeom prst="rect">
             <a:avLst/>
@@ -5653,7 +5653,7 @@
           <a:p>
             <a:r>
               <a:rPr lang="en-US" sz="2800" b="1" dirty="0"/>
-              <a:t>SHOCK LEVEL : 90%</a:t>
+              <a:t>SHOCK LEVEL : 1V</a:t>
             </a:r>
           </a:p>
         </p:txBody>
@@ -6007,7 +6007,7 @@
         <p:spPr>
           <a:xfrm>
             <a:off x="4528458" y="1926846"/>
-            <a:ext cx="3047629" cy="523220"/>
+            <a:ext cx="2815194" cy="523220"/>
           </a:xfrm>
           <a:prstGeom prst="rect">
             <a:avLst/>
@@ -6022,7 +6022,7 @@
           <a:p>
             <a:r>
               <a:rPr lang="en-US" sz="2800" b="1" dirty="0"/>
-              <a:t>SHOCK LEVEL : 90%</a:t>
+              <a:t>SHOCK LEVEL : 1V</a:t>
             </a:r>
           </a:p>
         </p:txBody>
@@ -6376,7 +6376,7 @@
         <p:spPr>
           <a:xfrm>
             <a:off x="4528458" y="1926846"/>
-            <a:ext cx="3047629" cy="523220"/>
+            <a:ext cx="2815194" cy="523220"/>
           </a:xfrm>
           <a:prstGeom prst="rect">
             <a:avLst/>
@@ -6391,7 +6391,7 @@
           <a:p>
             <a:r>
               <a:rPr lang="en-US" sz="2800" b="1" dirty="0"/>
-              <a:t>SHOCK LEVEL : 90%</a:t>
+              <a:t>SHOCK LEVEL : 1V</a:t>
             </a:r>
           </a:p>
         </p:txBody>
@@ -6872,7 +6872,7 @@
         <p:spPr>
           <a:xfrm>
             <a:off x="4528458" y="1926846"/>
-            <a:ext cx="3047629" cy="523220"/>
+            <a:ext cx="2815194" cy="523220"/>
           </a:xfrm>
           <a:prstGeom prst="rect">
             <a:avLst/>
@@ -6887,7 +6887,7 @@
           <a:p>
             <a:r>
               <a:rPr lang="en-US" sz="2800" b="1" dirty="0"/>
-              <a:t>SHOCK LEVEL : 90%</a:t>
+              <a:t>SHOCK LEVEL : 1V</a:t>
             </a:r>
           </a:p>
         </p:txBody>
@@ -7471,7 +7471,7 @@
         <p:spPr>
           <a:xfrm>
             <a:off x="4528458" y="1926846"/>
-            <a:ext cx="3047629" cy="523220"/>
+            <a:ext cx="2815194" cy="523220"/>
           </a:xfrm>
           <a:prstGeom prst="rect">
             <a:avLst/>
@@ -7486,7 +7486,7 @@
           <a:p>
             <a:r>
               <a:rPr lang="en-US" sz="2800" b="1" dirty="0"/>
-              <a:t>SHOCK LEVEL : 90%</a:t>
+              <a:t>SHOCK LEVEL : 1V</a:t>
             </a:r>
           </a:p>
         </p:txBody>

--- a/task/instructions/instructions.pptx
+++ b/task/instructions/instructions.pptx
@@ -275,7 +275,7 @@
           <a:p>
             <a:fld id="{3FCA0347-634C-9643-8047-4E30C1D40C05}" type="datetimeFigureOut">
               <a:rPr lang="en-US" smtClean="0"/>
-              <a:t>6/7/22</a:t>
+              <a:t>6/21/22</a:t>
             </a:fld>
             <a:endParaRPr lang="en-US"/>
           </a:p>
@@ -445,7 +445,7 @@
           <a:p>
             <a:fld id="{3FCA0347-634C-9643-8047-4E30C1D40C05}" type="datetimeFigureOut">
               <a:rPr lang="en-US" smtClean="0"/>
-              <a:t>6/7/22</a:t>
+              <a:t>6/21/22</a:t>
             </a:fld>
             <a:endParaRPr lang="en-US"/>
           </a:p>
@@ -625,7 +625,7 @@
           <a:p>
             <a:fld id="{3FCA0347-634C-9643-8047-4E30C1D40C05}" type="datetimeFigureOut">
               <a:rPr lang="en-US" smtClean="0"/>
-              <a:t>6/7/22</a:t>
+              <a:t>6/21/22</a:t>
             </a:fld>
             <a:endParaRPr lang="en-US"/>
           </a:p>
@@ -795,7 +795,7 @@
           <a:p>
             <a:fld id="{3FCA0347-634C-9643-8047-4E30C1D40C05}" type="datetimeFigureOut">
               <a:rPr lang="en-US" smtClean="0"/>
-              <a:t>6/7/22</a:t>
+              <a:t>6/21/22</a:t>
             </a:fld>
             <a:endParaRPr lang="en-US"/>
           </a:p>
@@ -1041,7 +1041,7 @@
           <a:p>
             <a:fld id="{3FCA0347-634C-9643-8047-4E30C1D40C05}" type="datetimeFigureOut">
               <a:rPr lang="en-US" smtClean="0"/>
-              <a:t>6/7/22</a:t>
+              <a:t>6/21/22</a:t>
             </a:fld>
             <a:endParaRPr lang="en-US"/>
           </a:p>
@@ -1273,7 +1273,7 @@
           <a:p>
             <a:fld id="{3FCA0347-634C-9643-8047-4E30C1D40C05}" type="datetimeFigureOut">
               <a:rPr lang="en-US" smtClean="0"/>
-              <a:t>6/7/22</a:t>
+              <a:t>6/21/22</a:t>
             </a:fld>
             <a:endParaRPr lang="en-US"/>
           </a:p>
@@ -1640,7 +1640,7 @@
           <a:p>
             <a:fld id="{3FCA0347-634C-9643-8047-4E30C1D40C05}" type="datetimeFigureOut">
               <a:rPr lang="en-US" smtClean="0"/>
-              <a:t>6/7/22</a:t>
+              <a:t>6/21/22</a:t>
             </a:fld>
             <a:endParaRPr lang="en-US"/>
           </a:p>
@@ -1758,7 +1758,7 @@
           <a:p>
             <a:fld id="{3FCA0347-634C-9643-8047-4E30C1D40C05}" type="datetimeFigureOut">
               <a:rPr lang="en-US" smtClean="0"/>
-              <a:t>6/7/22</a:t>
+              <a:t>6/21/22</a:t>
             </a:fld>
             <a:endParaRPr lang="en-US"/>
           </a:p>
@@ -1853,7 +1853,7 @@
           <a:p>
             <a:fld id="{3FCA0347-634C-9643-8047-4E30C1D40C05}" type="datetimeFigureOut">
               <a:rPr lang="en-US" smtClean="0"/>
-              <a:t>6/7/22</a:t>
+              <a:t>6/21/22</a:t>
             </a:fld>
             <a:endParaRPr lang="en-US"/>
           </a:p>
@@ -2130,7 +2130,7 @@
           <a:p>
             <a:fld id="{3FCA0347-634C-9643-8047-4E30C1D40C05}" type="datetimeFigureOut">
               <a:rPr lang="en-US" smtClean="0"/>
-              <a:t>6/7/22</a:t>
+              <a:t>6/21/22</a:t>
             </a:fld>
             <a:endParaRPr lang="en-US"/>
           </a:p>
@@ -2387,7 +2387,7 @@
           <a:p>
             <a:fld id="{3FCA0347-634C-9643-8047-4E30C1D40C05}" type="datetimeFigureOut">
               <a:rPr lang="en-US" smtClean="0"/>
-              <a:t>6/7/22</a:t>
+              <a:t>6/21/22</a:t>
             </a:fld>
             <a:endParaRPr lang="en-US"/>
           </a:p>
@@ -2600,7 +2600,7 @@
           <a:p>
             <a:fld id="{3FCA0347-634C-9643-8047-4E30C1D40C05}" type="datetimeFigureOut">
               <a:rPr lang="en-US" smtClean="0"/>
-              <a:t>6/7/22</a:t>
+              <a:t>6/21/22</a:t>
             </a:fld>
             <a:endParaRPr lang="en-US"/>
           </a:p>
@@ -4216,7 +4216,7 @@
             <a:pPr algn="ctr"/>
             <a:r>
               <a:rPr lang="en-US" sz="2400" dirty="0"/>
-              <a:t>To keep the bar from filling up, you need response correctly to the shapes.</a:t>
+              <a:t>To keep the bar from filling up, you need respond correctly to the shapes.</a:t>
             </a:r>
           </a:p>
           <a:p>
@@ -4234,7 +4234,7 @@
             <a:pPr algn="ctr"/>
             <a:r>
               <a:rPr lang="en-US" sz="2400" dirty="0"/>
-              <a:t>If you are incorrect, the bar will continue to fill up towards the shock.</a:t>
+              <a:t>If you are incorrect or answer too slowly, the bar will continue to fill up towards the shock.</a:t>
             </a:r>
           </a:p>
         </p:txBody>
@@ -4829,8 +4829,8 @@
         </p:nvSpPr>
         <p:spPr>
           <a:xfrm>
-            <a:off x="199696" y="3771326"/>
-            <a:ext cx="11992304" cy="1569660"/>
+            <a:off x="199696" y="3322065"/>
+            <a:ext cx="11992304" cy="1938992"/>
           </a:xfrm>
           <a:prstGeom prst="rect">
             <a:avLst/>
@@ -4853,7 +4853,14 @@
             <a:pPr algn="ctr"/>
             <a:r>
               <a:rPr lang="en-US" sz="2400" dirty="0"/>
-              <a:t>part of the bar fills up. </a:t>
+              <a:t>part of the bar fills up. These intensities are based on your responses </a:t>
+            </a:r>
+          </a:p>
+          <a:p>
+            <a:pPr algn="ctr"/>
+            <a:r>
+              <a:rPr lang="en-US" sz="2400" dirty="0"/>
+              <a:t>in the calibration phase.</a:t>
             </a:r>
           </a:p>
           <a:p>
@@ -4864,7 +4871,7 @@
             <a:pPr algn="ctr"/>
             <a:r>
               <a:rPr lang="en-US" sz="2400" dirty="0"/>
-              <a:t>These intensities are based on your responses in the calibration phase.</a:t>
+              <a:t>We will also warn you about the intensities before a round of the game begins.</a:t>
             </a:r>
           </a:p>
         </p:txBody>
@@ -7392,7 +7399,7 @@
             <a:pPr algn="ctr"/>
             <a:r>
               <a:rPr lang="en-US" sz="2400" dirty="0"/>
-              <a:t>how intense the shock might be will change throughout the study, </a:t>
+              <a:t>how intense the shock might be can change throughout the study, </a:t>
             </a:r>
           </a:p>
           <a:p>
@@ -9787,7 +9794,7 @@
         <p:spPr>
           <a:xfrm>
             <a:off x="199696" y="3839353"/>
-            <a:ext cx="11992304" cy="1200329"/>
+            <a:ext cx="11992304" cy="461665"/>
           </a:xfrm>
           <a:prstGeom prst="rect">
             <a:avLst/>
@@ -9805,33 +9812,6 @@
               <a:rPr lang="en-US" sz="2400" dirty="0"/>
               <a:t>We will no longer tell you whether you picked the correct shape. </a:t>
             </a:r>
-          </a:p>
-          <a:p>
-            <a:pPr algn="ctr"/>
-            <a:r>
-              <a:rPr lang="en-US" sz="2400" dirty="0"/>
-              <a:t>We will only tell you if you were </a:t>
-            </a:r>
-            <a:r>
-              <a:rPr lang="en-US" sz="2400" b="1" dirty="0">
-                <a:solidFill>
-                  <a:srgbClr val="FF0000"/>
-                </a:solidFill>
-              </a:rPr>
-              <a:t>TOO SLOW</a:t>
-            </a:r>
-            <a:r>
-              <a:rPr lang="en-US" sz="2400" dirty="0"/>
-              <a:t>. </a:t>
-            </a:r>
-          </a:p>
-          <a:p>
-            <a:pPr algn="ctr"/>
-            <a:r>
-              <a:rPr lang="en-US" sz="2400" dirty="0"/>
-              <a:t>These messages themselves take time to display, so try to answer correctly!</a:t>
-            </a:r>
-            <a:endParaRPr lang="en-US" sz="2400" b="1" dirty="0"/>
           </a:p>
         </p:txBody>
       </p:sp>
